--- a/Checkpoint 1.pptx
+++ b/Checkpoint 1.pptx
@@ -110,6 +110,11 @@
       </a:defRPr>
     </a:lvl9pPr>
   </p:defaultTextStyle>
+  <p:extLst>
+    <p:ext uri="{EFAFB233-063F-42B5-8137-9DF3F51BA10A}">
+      <p15:sldGuideLst xmlns:p15="http://schemas.microsoft.com/office/powerpoint/2012/main"/>
+    </p:ext>
+  </p:extLst>
 </p:presentation>
 </file>
 
@@ -3997,7 +4002,7 @@
           <a:p>
             <a:r>
               <a:rPr lang="en-US" altLang="zh-CN" dirty="0"/>
-              <a:t>Use three pre-generated scenes</a:t>
+              <a:t>Use pre-generated scenes</a:t>
             </a:r>
           </a:p>
           <a:p>
@@ -4704,8 +4709,8 @@
           </a:prstGeom>
         </p:spPr>
       </p:pic>
-      <mc:AlternateContent xmlns:mc="http://schemas.openxmlformats.org/markup-compatibility/2006">
-        <mc:Choice xmlns:a14="http://schemas.microsoft.com/office/drawing/2010/main" Requires="a14">
+      <mc:AlternateContent xmlns:mc="http://schemas.openxmlformats.org/markup-compatibility/2006" xmlns:a14="http://schemas.microsoft.com/office/drawing/2010/main">
+        <mc:Choice Requires="a14">
           <p:sp>
             <p:nvSpPr>
               <p:cNvPr id="7" name="文本框 6">
@@ -4805,7 +4810,7 @@
             </p:txBody>
           </p:sp>
         </mc:Choice>
-        <mc:Fallback>
+        <mc:Fallback xmlns="">
           <p:sp>
             <p:nvSpPr>
               <p:cNvPr id="7" name="文本框 6">
@@ -5879,6 +5884,42 @@
           </a:fontRef>
         </p:style>
       </p:cxnSp>
+      <p:sp>
+        <p:nvSpPr>
+          <p:cNvPr id="3" name="TextBox 2">
+            <a:extLst>
+              <a:ext uri="{FF2B5EF4-FFF2-40B4-BE49-F238E27FC236}">
+                <a16:creationId xmlns:a16="http://schemas.microsoft.com/office/drawing/2014/main" id="{DE3471C6-5BFF-4144-8AF2-F3BEDD11DB97}"/>
+              </a:ext>
+            </a:extLst>
+          </p:cNvPr>
+          <p:cNvSpPr txBox="1"/>
+          <p:nvPr/>
+        </p:nvSpPr>
+        <p:spPr>
+          <a:xfrm>
+            <a:off x="5421086" y="712547"/>
+            <a:ext cx="1189512" cy="369332"/>
+          </a:xfrm>
+          <a:prstGeom prst="rect">
+            <a:avLst/>
+          </a:prstGeom>
+          <a:noFill/>
+        </p:spPr>
+        <p:txBody>
+          <a:bodyPr wrap="square" rtlCol="0">
+            <a:spAutoFit/>
+          </a:bodyPr>
+          <a:lstStyle/>
+          <a:p>
+            <a:r>
+              <a:rPr lang="en-US" dirty="0" err="1"/>
+              <a:t>cudaArray</a:t>
+            </a:r>
+            <a:endParaRPr lang="en-US" dirty="0"/>
+          </a:p>
+        </p:txBody>
+      </p:sp>
     </p:spTree>
     <p:extLst>
       <p:ext uri="{BB962C8B-B14F-4D97-AF65-F5344CB8AC3E}">
